--- a/ProjectBenson.pptx
+++ b/ProjectBenson.pptx
@@ -110,6 +110,11 @@
       </a:defRPr>
     </a:lvl9pPr>
   </p:defaultTextStyle>
+  <p:extLst>
+    <p:ext uri="{EFAFB233-063F-42B5-8137-9DF3F51BA10A}">
+      <p15:sldGuideLst xmlns:p15="http://schemas.microsoft.com/office/powerpoint/2012/main"/>
+    </p:ext>
+  </p:extLst>
 </p:presentation>
 </file>
 
@@ -302,7 +307,7 @@
             <a:fld id="{B61BEF0D-F0BB-DE4B-95CE-6DB70DBA9567}" type="datetimeFigureOut">
               <a:rPr lang="en-US" dirty="0"/>
               <a:pPr/>
-              <a:t>9/26/18</a:t>
+              <a:t>9/27/18</a:t>
             </a:fld>
             <a:endParaRPr lang="en-US" dirty="0"/>
           </a:p>
@@ -637,7 +642,7 @@
             <a:fld id="{B61BEF0D-F0BB-DE4B-95CE-6DB70DBA9567}" type="datetimeFigureOut">
               <a:rPr lang="en-US" dirty="0"/>
               <a:pPr/>
-              <a:t>9/26/18</a:t>
+              <a:t>9/27/18</a:t>
             </a:fld>
             <a:endParaRPr lang="en-US" dirty="0"/>
           </a:p>
@@ -1035,7 +1040,7 @@
             <a:fld id="{B61BEF0D-F0BB-DE4B-95CE-6DB70DBA9567}" type="datetimeFigureOut">
               <a:rPr lang="en-US" dirty="0"/>
               <a:pPr/>
-              <a:t>9/26/18</a:t>
+              <a:t>9/27/18</a:t>
             </a:fld>
             <a:endParaRPr lang="en-US" dirty="0"/>
           </a:p>
@@ -1368,7 +1373,7 @@
             <a:fld id="{B61BEF0D-F0BB-DE4B-95CE-6DB70DBA9567}" type="datetimeFigureOut">
               <a:rPr lang="en-US" dirty="0"/>
               <a:pPr/>
-              <a:t>9/26/18</a:t>
+              <a:t>9/27/18</a:t>
             </a:fld>
             <a:endParaRPr lang="en-US" dirty="0"/>
           </a:p>
@@ -1685,7 +1690,7 @@
             <a:fld id="{B61BEF0D-F0BB-DE4B-95CE-6DB70DBA9567}" type="datetimeFigureOut">
               <a:rPr lang="en-US" dirty="0"/>
               <a:pPr/>
-              <a:t>9/26/18</a:t>
+              <a:t>9/27/18</a:t>
             </a:fld>
             <a:endParaRPr lang="en-US" dirty="0"/>
           </a:p>
@@ -2078,7 +2083,7 @@
             <a:fld id="{B61BEF0D-F0BB-DE4B-95CE-6DB70DBA9567}" type="datetimeFigureOut">
               <a:rPr lang="en-US" dirty="0"/>
               <a:pPr/>
-              <a:t>9/26/18</a:t>
+              <a:t>9/27/18</a:t>
             </a:fld>
             <a:endParaRPr lang="en-US" dirty="0"/>
           </a:p>
@@ -2332,7 +2337,7 @@
             <a:fld id="{B61BEF0D-F0BB-DE4B-95CE-6DB70DBA9567}" type="datetimeFigureOut">
               <a:rPr lang="en-US" dirty="0"/>
               <a:pPr/>
-              <a:t>9/26/18</a:t>
+              <a:t>9/27/18</a:t>
             </a:fld>
             <a:endParaRPr lang="en-US" dirty="0"/>
           </a:p>
@@ -2591,7 +2596,7 @@
             <a:fld id="{B61BEF0D-F0BB-DE4B-95CE-6DB70DBA9567}" type="datetimeFigureOut">
               <a:rPr lang="en-US" dirty="0"/>
               <a:pPr/>
-              <a:t>9/26/18</a:t>
+              <a:t>9/27/18</a:t>
             </a:fld>
             <a:endParaRPr lang="en-US" dirty="0"/>
           </a:p>
@@ -2850,7 +2855,7 @@
             <a:fld id="{B61BEF0D-F0BB-DE4B-95CE-6DB70DBA9567}" type="datetimeFigureOut">
               <a:rPr lang="en-US" dirty="0"/>
               <a:pPr/>
-              <a:t>9/26/18</a:t>
+              <a:t>9/27/18</a:t>
             </a:fld>
             <a:endParaRPr lang="en-US" dirty="0"/>
           </a:p>
@@ -3176,7 +3181,7 @@
             <a:fld id="{B61BEF0D-F0BB-DE4B-95CE-6DB70DBA9567}" type="datetimeFigureOut">
               <a:rPr lang="en-US" dirty="0"/>
               <a:pPr/>
-              <a:t>9/26/18</a:t>
+              <a:t>9/27/18</a:t>
             </a:fld>
             <a:endParaRPr lang="en-US" dirty="0"/>
           </a:p>
@@ -3496,7 +3501,7 @@
             <a:fld id="{B61BEF0D-F0BB-DE4B-95CE-6DB70DBA9567}" type="datetimeFigureOut">
               <a:rPr lang="en-US" dirty="0"/>
               <a:pPr/>
-              <a:t>9/26/18</a:t>
+              <a:t>9/27/18</a:t>
             </a:fld>
             <a:endParaRPr lang="en-US" dirty="0"/>
           </a:p>
@@ -3950,7 +3955,7 @@
             <a:fld id="{B61BEF0D-F0BB-DE4B-95CE-6DB70DBA9567}" type="datetimeFigureOut">
               <a:rPr lang="en-US" dirty="0"/>
               <a:pPr/>
-              <a:t>9/26/18</a:t>
+              <a:t>9/27/18</a:t>
             </a:fld>
             <a:endParaRPr lang="en-US" dirty="0"/>
           </a:p>
@@ -4152,7 +4157,7 @@
             <a:fld id="{B61BEF0D-F0BB-DE4B-95CE-6DB70DBA9567}" type="datetimeFigureOut">
               <a:rPr lang="en-US" dirty="0"/>
               <a:pPr/>
-              <a:t>9/26/18</a:t>
+              <a:t>9/27/18</a:t>
             </a:fld>
             <a:endParaRPr lang="en-US" dirty="0"/>
           </a:p>
@@ -4326,7 +4331,7 @@
             <a:fld id="{B61BEF0D-F0BB-DE4B-95CE-6DB70DBA9567}" type="datetimeFigureOut">
               <a:rPr lang="en-US" dirty="0"/>
               <a:pPr/>
-              <a:t>9/26/18</a:t>
+              <a:t>9/27/18</a:t>
             </a:fld>
             <a:endParaRPr lang="en-US" dirty="0"/>
           </a:p>
@@ -4656,7 +4661,7 @@
             <a:fld id="{B61BEF0D-F0BB-DE4B-95CE-6DB70DBA9567}" type="datetimeFigureOut">
               <a:rPr lang="en-US" dirty="0"/>
               <a:pPr/>
-              <a:t>9/26/18</a:t>
+              <a:t>9/27/18</a:t>
             </a:fld>
             <a:endParaRPr lang="en-US" dirty="0"/>
           </a:p>
@@ -4998,7 +5003,7 @@
             <a:fld id="{B61BEF0D-F0BB-DE4B-95CE-6DB70DBA9567}" type="datetimeFigureOut">
               <a:rPr lang="en-US" dirty="0"/>
               <a:pPr/>
-              <a:t>9/26/18</a:t>
+              <a:t>9/27/18</a:t>
             </a:fld>
             <a:endParaRPr lang="en-US" dirty="0"/>
           </a:p>
@@ -7112,7 +7117,7 @@
             <a:fld id="{B61BEF0D-F0BB-DE4B-95CE-6DB70DBA9567}" type="datetimeFigureOut">
               <a:rPr lang="en-US" dirty="0"/>
               <a:pPr/>
-              <a:t>9/26/18</a:t>
+              <a:t>9/27/18</a:t>
             </a:fld>
             <a:endParaRPr lang="en-US" dirty="0"/>
           </a:p>
@@ -7930,7 +7935,7 @@
         <p:spPr>
           <a:xfrm>
             <a:off x="2592925" y="1784887"/>
-            <a:ext cx="8808138" cy="1815882"/>
+            <a:ext cx="8808138" cy="3293209"/>
           </a:xfrm>
           <a:prstGeom prst="rect">
             <a:avLst/>
@@ -7950,6 +7955,28 @@
               <a:rPr lang="en-US" sz="1600" dirty="0"/>
               <a:t>MTA Turnstile data for one week (September 16th 2018 to September 22nd 2018) was used to analyze the entries and exits from a station</a:t>
             </a:r>
+          </a:p>
+          <a:p>
+            <a:pPr marL="742950" lvl="2" indent="-342900">
+              <a:buFont typeface="Arial" panose="020B0604020202020204" pitchFamily="34" charset="0"/>
+              <a:buChar char="•"/>
+            </a:pPr>
+            <a:endParaRPr lang="en-US" sz="1600" dirty="0"/>
+          </a:p>
+          <a:p>
+            <a:pPr marL="742950" lvl="2" indent="-342900">
+              <a:buFont typeface="Arial" panose="020B0604020202020204" pitchFamily="34" charset="0"/>
+              <a:buChar char="•"/>
+            </a:pPr>
+            <a:r>
+              <a:rPr lang="en-US" sz="1600" dirty="0"/>
+              <a:t>Calculated net traffic as </a:t>
+            </a:r>
+            <a:r>
+              <a:rPr lang="en-US" sz="1600" dirty="0" err="1"/>
+              <a:t>Entries+Exits</a:t>
+            </a:r>
+            <a:endParaRPr lang="en-US" sz="1600" dirty="0"/>
           </a:p>
           <a:p>
             <a:pPr marL="742950" lvl="2" indent="-342900">
@@ -7995,6 +8022,40 @@
             <a:r>
               <a:rPr lang="en-US" sz="1600" dirty="0"/>
               <a:t>Compared the demographics of the top ten stations based on net traffic</a:t>
+            </a:r>
+          </a:p>
+          <a:p>
+            <a:pPr marL="742950" lvl="2" indent="-342900">
+              <a:buFont typeface="Arial" panose="020B0604020202020204" pitchFamily="34" charset="0"/>
+              <a:buChar char="•"/>
+            </a:pPr>
+            <a:endParaRPr lang="en-US" sz="1600" dirty="0"/>
+          </a:p>
+          <a:p>
+            <a:pPr marL="742950" lvl="2" indent="-342900">
+              <a:buFont typeface="Arial" panose="020B0604020202020204" pitchFamily="34" charset="0"/>
+              <a:buChar char="•"/>
+            </a:pPr>
+            <a:r>
+              <a:rPr lang="en-US" sz="1600" dirty="0"/>
+              <a:t>Removed outliers that indicate a broken turnstile or have reverse counters</a:t>
+            </a:r>
+          </a:p>
+          <a:p>
+            <a:pPr marL="742950" lvl="2" indent="-342900">
+              <a:buFont typeface="Arial" panose="020B0604020202020204" pitchFamily="34" charset="0"/>
+              <a:buChar char="•"/>
+            </a:pPr>
+            <a:endParaRPr lang="en-US" sz="1600" dirty="0"/>
+          </a:p>
+          <a:p>
+            <a:pPr marL="742950" lvl="2" indent="-342900">
+              <a:buFont typeface="Arial" panose="020B0604020202020204" pitchFamily="34" charset="0"/>
+              <a:buChar char="•"/>
+            </a:pPr>
+            <a:r>
+              <a:rPr lang="en-US" sz="1600" dirty="0"/>
+              <a:t>Aggregated traffic in 4-hour timeslots</a:t>
             </a:r>
           </a:p>
         </p:txBody>
@@ -8335,31 +8396,6 @@
               <a:rPr lang="en-US" sz="3200" dirty="0"/>
               <a:t>Demographic information	</a:t>
             </a:r>
-          </a:p>
-        </p:txBody>
-      </p:sp>
-      <p:sp>
-        <p:nvSpPr>
-          <p:cNvPr id="3" name="Content Placeholder 2">
-            <a:extLst>
-              <a:ext uri="{FF2B5EF4-FFF2-40B4-BE49-F238E27FC236}">
-                <a16:creationId xmlns:a16="http://schemas.microsoft.com/office/drawing/2014/main" id="{85BF9620-8567-784A-B91C-B638E823F7ED}"/>
-              </a:ext>
-            </a:extLst>
-          </p:cNvPr>
-          <p:cNvSpPr>
-            <a:spLocks noGrp="1"/>
-          </p:cNvSpPr>
-          <p:nvPr>
-            <p:ph idx="1"/>
-          </p:nvPr>
-        </p:nvSpPr>
-        <p:spPr/>
-        <p:txBody>
-          <a:bodyPr/>
-          <a:lstStyle/>
-          <a:p>
-            <a:endParaRPr lang="en-US" dirty="0"/>
           </a:p>
         </p:txBody>
       </p:sp>
